--- a/Data/Data Visualizations and Dashboard with Tableau.pptx
+++ b/Data/Data Visualizations and Dashboard with Tableau.pptx
@@ -5,40 +5,48 @@
     <p:sldMasterId id="2147483659" r:id="rId1"/>
   </p:sldMasterIdLst>
   <p:notesMasterIdLst>
-    <p:notesMasterId r:id="rId11"/>
+    <p:notesMasterId r:id="rId19"/>
   </p:notesMasterIdLst>
   <p:sldIdLst>
     <p:sldId id="256" r:id="rId2"/>
     <p:sldId id="257" r:id="rId3"/>
     <p:sldId id="258" r:id="rId4"/>
-    <p:sldId id="259" r:id="rId5"/>
-    <p:sldId id="260" r:id="rId6"/>
-    <p:sldId id="261" r:id="rId7"/>
-    <p:sldId id="262" r:id="rId8"/>
-    <p:sldId id="263" r:id="rId9"/>
-    <p:sldId id="264" r:id="rId10"/>
+    <p:sldId id="265" r:id="rId5"/>
+    <p:sldId id="259" r:id="rId6"/>
+    <p:sldId id="266" r:id="rId7"/>
+    <p:sldId id="260" r:id="rId8"/>
+    <p:sldId id="267" r:id="rId9"/>
+    <p:sldId id="261" r:id="rId10"/>
+    <p:sldId id="268" r:id="rId11"/>
+    <p:sldId id="262" r:id="rId12"/>
+    <p:sldId id="269" r:id="rId13"/>
+    <p:sldId id="263" r:id="rId14"/>
+    <p:sldId id="270" r:id="rId15"/>
+    <p:sldId id="264" r:id="rId16"/>
+    <p:sldId id="271" r:id="rId17"/>
+    <p:sldId id="272" r:id="rId18"/>
   </p:sldIdLst>
   <p:sldSz cx="9144000" cy="5143500" type="screen16x9"/>
   <p:notesSz cx="6858000" cy="9144000"/>
   <p:embeddedFontLst>
     <p:embeddedFont>
       <p:font typeface="Maven Pro" panose="020B0604020202020204" charset="0"/>
-      <p:regular r:id="rId12"/>
-      <p:bold r:id="rId13"/>
+      <p:regular r:id="rId20"/>
+      <p:bold r:id="rId21"/>
     </p:embeddedFont>
     <p:embeddedFont>
       <p:font typeface="Nunito" pitchFamily="2" charset="0"/>
-      <p:regular r:id="rId14"/>
-      <p:bold r:id="rId15"/>
-      <p:italic r:id="rId16"/>
-      <p:boldItalic r:id="rId17"/>
+      <p:regular r:id="rId22"/>
+      <p:bold r:id="rId23"/>
+      <p:italic r:id="rId24"/>
+      <p:boldItalic r:id="rId25"/>
     </p:embeddedFont>
     <p:embeddedFont>
       <p:font typeface="Roboto" panose="02000000000000000000" pitchFamily="2" charset="0"/>
-      <p:regular r:id="rId18"/>
-      <p:bold r:id="rId19"/>
-      <p:italic r:id="rId20"/>
-      <p:boldItalic r:id="rId21"/>
+      <p:regular r:id="rId26"/>
+      <p:bold r:id="rId27"/>
+      <p:italic r:id="rId28"/>
+      <p:boldItalic r:id="rId29"/>
     </p:embeddedFont>
   </p:embeddedFontLst>
   <p:defaultTextStyle>
@@ -967,7 +975,7 @@
         </p:nvSpPr>
         <p:spPr>
           <a:xfrm>
-            <a:off x="381300" y="685800"/>
+            <a:off x="381000" y="685800"/>
             <a:ext cx="6096000" cy="3429000"/>
           </a:xfrm>
           <a:custGeom>
@@ -1279,7 +1287,7 @@
         </p:nvSpPr>
         <p:spPr>
           <a:xfrm>
-            <a:off x="381300" y="685800"/>
+            <a:off x="381000" y="685800"/>
             <a:ext cx="6096000" cy="3429000"/>
           </a:xfrm>
           <a:custGeom>
@@ -1383,7 +1391,7 @@
         </p:nvSpPr>
         <p:spPr>
           <a:xfrm>
-            <a:off x="381300" y="685800"/>
+            <a:off x="381000" y="685800"/>
             <a:ext cx="6096000" cy="3429000"/>
           </a:xfrm>
           <a:custGeom>
@@ -1487,7 +1495,7 @@
         </p:nvSpPr>
         <p:spPr>
           <a:xfrm>
-            <a:off x="381300" y="685800"/>
+            <a:off x="381000" y="685800"/>
             <a:ext cx="6096000" cy="3429000"/>
           </a:xfrm>
           <a:custGeom>
@@ -1591,7 +1599,7 @@
         </p:nvSpPr>
         <p:spPr>
           <a:xfrm>
-            <a:off x="381300" y="685800"/>
+            <a:off x="381000" y="685800"/>
             <a:ext cx="6096000" cy="3429000"/>
           </a:xfrm>
           <a:custGeom>
@@ -15724,6 +15732,669 @@
 </p:sld>
 </file>
 
+<file path=ppt/slides/slide10.xml><?xml version="1.0" encoding="utf-8"?>
+<p:sld xmlns:a="http://schemas.openxmlformats.org/drawingml/2006/main" xmlns:r="http://schemas.openxmlformats.org/officeDocument/2006/relationships" xmlns:p="http://schemas.openxmlformats.org/presentationml/2006/main">
+  <p:cSld>
+    <p:spTree>
+      <p:nvGrpSpPr>
+        <p:cNvPr id="1" name=""/>
+        <p:cNvGrpSpPr/>
+        <p:nvPr/>
+      </p:nvGrpSpPr>
+      <p:grpSpPr>
+        <a:xfrm>
+          <a:off x="0" y="0"/>
+          <a:ext cx="0" cy="0"/>
+          <a:chOff x="0" y="0"/>
+          <a:chExt cx="0" cy="0"/>
+        </a:xfrm>
+      </p:grpSpPr>
+      <p:pic>
+        <p:nvPicPr>
+          <p:cNvPr id="5" name="Picture 4">
+            <a:extLst>
+              <a:ext uri="{FF2B5EF4-FFF2-40B4-BE49-F238E27FC236}">
+                <a16:creationId xmlns:a16="http://schemas.microsoft.com/office/drawing/2014/main" id="{C968477A-334D-E824-273A-791F774B9ECD}"/>
+              </a:ext>
+            </a:extLst>
+          </p:cNvPr>
+          <p:cNvPicPr>
+            <a:picLocks noChangeAspect="1"/>
+          </p:cNvPicPr>
+          <p:nvPr/>
+        </p:nvPicPr>
+        <p:blipFill>
+          <a:blip r:embed="rId2"/>
+          <a:stretch>
+            <a:fillRect/>
+          </a:stretch>
+        </p:blipFill>
+        <p:spPr>
+          <a:xfrm>
+            <a:off x="1530598" y="0"/>
+            <a:ext cx="6082804" cy="5143500"/>
+          </a:xfrm>
+          <a:prstGeom prst="rect">
+            <a:avLst/>
+          </a:prstGeom>
+        </p:spPr>
+      </p:pic>
+    </p:spTree>
+    <p:extLst>
+      <p:ext uri="{BB962C8B-B14F-4D97-AF65-F5344CB8AC3E}">
+        <p14:creationId xmlns:p14="http://schemas.microsoft.com/office/powerpoint/2010/main" val="53479695"/>
+      </p:ext>
+    </p:extLst>
+  </p:cSld>
+  <p:clrMapOvr>
+    <a:masterClrMapping/>
+  </p:clrMapOvr>
+</p:sld>
+</file>
+
+<file path=ppt/slides/slide11.xml><?xml version="1.0" encoding="utf-8"?>
+<p:sld xmlns:a="http://schemas.openxmlformats.org/drawingml/2006/main" xmlns:r="http://schemas.openxmlformats.org/officeDocument/2006/relationships" xmlns:p="http://schemas.openxmlformats.org/presentationml/2006/main">
+  <p:cSld>
+    <p:spTree>
+      <p:nvGrpSpPr>
+        <p:cNvPr id="1" name="Shape 315"/>
+        <p:cNvGrpSpPr/>
+        <p:nvPr/>
+      </p:nvGrpSpPr>
+      <p:grpSpPr>
+        <a:xfrm>
+          <a:off x="0" y="0"/>
+          <a:ext cx="0" cy="0"/>
+          <a:chOff x="0" y="0"/>
+          <a:chExt cx="0" cy="0"/>
+        </a:xfrm>
+      </p:grpSpPr>
+      <p:sp>
+        <p:nvSpPr>
+          <p:cNvPr id="316" name="Google Shape;316;p19"/>
+          <p:cNvSpPr txBox="1">
+            <a:spLocks noGrp="1"/>
+          </p:cNvSpPr>
+          <p:nvPr>
+            <p:ph type="title"/>
+          </p:nvPr>
+        </p:nvSpPr>
+        <p:spPr>
+          <a:xfrm>
+            <a:off x="1303800" y="598575"/>
+            <a:ext cx="7030500" cy="999300"/>
+          </a:xfrm>
+          <a:prstGeom prst="rect">
+            <a:avLst/>
+          </a:prstGeom>
+        </p:spPr>
+        <p:txBody>
+          <a:bodyPr spcFirstLastPara="1" wrap="square" lIns="91425" tIns="91425" rIns="91425" bIns="91425" anchor="t" anchorCtr="0">
+            <a:normAutofit/>
+          </a:bodyPr>
+          <a:lstStyle/>
+          <a:p>
+            <a:pPr marL="0" lvl="0" indent="0" algn="l" rtl="0">
+              <a:spcBef>
+                <a:spcPts val="0"/>
+              </a:spcBef>
+              <a:spcAft>
+                <a:spcPts val="0"/>
+              </a:spcAft>
+              <a:buNone/>
+            </a:pPr>
+            <a:r>
+              <a:rPr lang="en"/>
+              <a:t>Heatmap</a:t>
+            </a:r>
+            <a:endParaRPr/>
+          </a:p>
+        </p:txBody>
+      </p:sp>
+      <p:sp>
+        <p:nvSpPr>
+          <p:cNvPr id="317" name="Google Shape;317;p19"/>
+          <p:cNvSpPr txBox="1">
+            <a:spLocks noGrp="1"/>
+          </p:cNvSpPr>
+          <p:nvPr>
+            <p:ph type="body" idx="1"/>
+          </p:nvPr>
+        </p:nvSpPr>
+        <p:spPr>
+          <a:xfrm>
+            <a:off x="1303800" y="1990050"/>
+            <a:ext cx="7030500" cy="2541600"/>
+          </a:xfrm>
+          <a:prstGeom prst="rect">
+            <a:avLst/>
+          </a:prstGeom>
+        </p:spPr>
+        <p:txBody>
+          <a:bodyPr spcFirstLastPara="1" wrap="square" lIns="91425" tIns="91425" rIns="91425" bIns="91425" anchor="t" anchorCtr="0">
+            <a:normAutofit/>
+          </a:bodyPr>
+          <a:lstStyle/>
+          <a:p>
+            <a:pPr marL="0" lvl="0" indent="0" algn="l" rtl="0">
+              <a:spcBef>
+                <a:spcPts val="0"/>
+              </a:spcBef>
+              <a:spcAft>
+                <a:spcPts val="1200"/>
+              </a:spcAft>
+              <a:buNone/>
+            </a:pPr>
+            <a:r>
+              <a:rPr lang="en" dirty="0">
+                <a:sym typeface="Roboto"/>
+              </a:rPr>
+              <a:t>Heatmap of Correlation of Strength and overall rating of the clubs, secondly correlation of the Potential and Overall ratings of the club</a:t>
+            </a:r>
+            <a:endParaRPr dirty="0">
+              <a:sym typeface="Roboto"/>
+            </a:endParaRPr>
+          </a:p>
+        </p:txBody>
+      </p:sp>
+    </p:spTree>
+  </p:cSld>
+  <p:clrMapOvr>
+    <a:masterClrMapping/>
+  </p:clrMapOvr>
+</p:sld>
+</file>
+
+<file path=ppt/slides/slide12.xml><?xml version="1.0" encoding="utf-8"?>
+<p:sld xmlns:a="http://schemas.openxmlformats.org/drawingml/2006/main" xmlns:r="http://schemas.openxmlformats.org/officeDocument/2006/relationships" xmlns:p="http://schemas.openxmlformats.org/presentationml/2006/main">
+  <p:cSld>
+    <p:spTree>
+      <p:nvGrpSpPr>
+        <p:cNvPr id="1" name=""/>
+        <p:cNvGrpSpPr/>
+        <p:nvPr/>
+      </p:nvGrpSpPr>
+      <p:grpSpPr>
+        <a:xfrm>
+          <a:off x="0" y="0"/>
+          <a:ext cx="0" cy="0"/>
+          <a:chOff x="0" y="0"/>
+          <a:chExt cx="0" cy="0"/>
+        </a:xfrm>
+      </p:grpSpPr>
+      <p:pic>
+        <p:nvPicPr>
+          <p:cNvPr id="5" name="Picture 4">
+            <a:extLst>
+              <a:ext uri="{FF2B5EF4-FFF2-40B4-BE49-F238E27FC236}">
+                <a16:creationId xmlns:a16="http://schemas.microsoft.com/office/drawing/2014/main" id="{139CD0B6-D40B-C82B-42D7-4F77C9BD411D}"/>
+              </a:ext>
+            </a:extLst>
+          </p:cNvPr>
+          <p:cNvPicPr>
+            <a:picLocks noChangeAspect="1"/>
+          </p:cNvPicPr>
+          <p:nvPr/>
+        </p:nvPicPr>
+        <p:blipFill>
+          <a:blip r:embed="rId2"/>
+          <a:stretch>
+            <a:fillRect/>
+          </a:stretch>
+        </p:blipFill>
+        <p:spPr>
+          <a:xfrm>
+            <a:off x="1252648" y="0"/>
+            <a:ext cx="6638703" cy="5143500"/>
+          </a:xfrm>
+          <a:prstGeom prst="rect">
+            <a:avLst/>
+          </a:prstGeom>
+        </p:spPr>
+      </p:pic>
+    </p:spTree>
+    <p:extLst>
+      <p:ext uri="{BB962C8B-B14F-4D97-AF65-F5344CB8AC3E}">
+        <p14:creationId xmlns:p14="http://schemas.microsoft.com/office/powerpoint/2010/main" val="2045388412"/>
+      </p:ext>
+    </p:extLst>
+  </p:cSld>
+  <p:clrMapOvr>
+    <a:masterClrMapping/>
+  </p:clrMapOvr>
+</p:sld>
+</file>
+
+<file path=ppt/slides/slide13.xml><?xml version="1.0" encoding="utf-8"?>
+<p:sld xmlns:a="http://schemas.openxmlformats.org/drawingml/2006/main" xmlns:r="http://schemas.openxmlformats.org/officeDocument/2006/relationships" xmlns:p="http://schemas.openxmlformats.org/presentationml/2006/main">
+  <p:cSld>
+    <p:spTree>
+      <p:nvGrpSpPr>
+        <p:cNvPr id="1" name="Shape 321"/>
+        <p:cNvGrpSpPr/>
+        <p:nvPr/>
+      </p:nvGrpSpPr>
+      <p:grpSpPr>
+        <a:xfrm>
+          <a:off x="0" y="0"/>
+          <a:ext cx="0" cy="0"/>
+          <a:chOff x="0" y="0"/>
+          <a:chExt cx="0" cy="0"/>
+        </a:xfrm>
+      </p:grpSpPr>
+      <p:sp>
+        <p:nvSpPr>
+          <p:cNvPr id="322" name="Google Shape;322;p20"/>
+          <p:cNvSpPr txBox="1">
+            <a:spLocks noGrp="1"/>
+          </p:cNvSpPr>
+          <p:nvPr>
+            <p:ph type="title"/>
+          </p:nvPr>
+        </p:nvSpPr>
+        <p:spPr>
+          <a:xfrm>
+            <a:off x="1303800" y="598575"/>
+            <a:ext cx="7030500" cy="999300"/>
+          </a:xfrm>
+          <a:prstGeom prst="rect">
+            <a:avLst/>
+          </a:prstGeom>
+        </p:spPr>
+        <p:txBody>
+          <a:bodyPr spcFirstLastPara="1" wrap="square" lIns="91425" tIns="91425" rIns="91425" bIns="91425" anchor="t" anchorCtr="0">
+            <a:normAutofit/>
+          </a:bodyPr>
+          <a:lstStyle/>
+          <a:p>
+            <a:pPr marL="0" lvl="0" indent="0" algn="l" rtl="0">
+              <a:spcBef>
+                <a:spcPts val="0"/>
+              </a:spcBef>
+              <a:spcAft>
+                <a:spcPts val="0"/>
+              </a:spcAft>
+              <a:buNone/>
+            </a:pPr>
+            <a:r>
+              <a:rPr lang="en"/>
+              <a:t>Top 10 Correlation</a:t>
+            </a:r>
+            <a:endParaRPr/>
+          </a:p>
+        </p:txBody>
+      </p:sp>
+      <p:sp>
+        <p:nvSpPr>
+          <p:cNvPr id="323" name="Google Shape;323;p20"/>
+          <p:cNvSpPr txBox="1">
+            <a:spLocks noGrp="1"/>
+          </p:cNvSpPr>
+          <p:nvPr>
+            <p:ph type="body" idx="1"/>
+          </p:nvPr>
+        </p:nvSpPr>
+        <p:spPr>
+          <a:xfrm>
+            <a:off x="1303800" y="1990050"/>
+            <a:ext cx="7030500" cy="2541600"/>
+          </a:xfrm>
+          <a:prstGeom prst="rect">
+            <a:avLst/>
+          </a:prstGeom>
+        </p:spPr>
+        <p:txBody>
+          <a:bodyPr spcFirstLastPara="1" wrap="square" lIns="91425" tIns="91425" rIns="91425" bIns="91425" anchor="t" anchorCtr="0">
+            <a:normAutofit/>
+          </a:bodyPr>
+          <a:lstStyle/>
+          <a:p>
+            <a:pPr marL="0" lvl="0" indent="0" algn="l" rtl="0">
+              <a:spcBef>
+                <a:spcPts val="0"/>
+              </a:spcBef>
+              <a:spcAft>
+                <a:spcPts val="1200"/>
+              </a:spcAft>
+              <a:buNone/>
+            </a:pPr>
+            <a:r>
+              <a:rPr lang="en" dirty="0">
+                <a:sym typeface="Roboto"/>
+              </a:rPr>
+              <a:t>Above mentioned Heatmap but slightly tuned, it contains data of top 10 clubs by value</a:t>
+            </a:r>
+            <a:endParaRPr dirty="0"/>
+          </a:p>
+        </p:txBody>
+      </p:sp>
+    </p:spTree>
+  </p:cSld>
+  <p:clrMapOvr>
+    <a:masterClrMapping/>
+  </p:clrMapOvr>
+</p:sld>
+</file>
+
+<file path=ppt/slides/slide14.xml><?xml version="1.0" encoding="utf-8"?>
+<p:sld xmlns:a="http://schemas.openxmlformats.org/drawingml/2006/main" xmlns:r="http://schemas.openxmlformats.org/officeDocument/2006/relationships" xmlns:p="http://schemas.openxmlformats.org/presentationml/2006/main">
+  <p:cSld>
+    <p:spTree>
+      <p:nvGrpSpPr>
+        <p:cNvPr id="1" name=""/>
+        <p:cNvGrpSpPr/>
+        <p:nvPr/>
+      </p:nvGrpSpPr>
+      <p:grpSpPr>
+        <a:xfrm>
+          <a:off x="0" y="0"/>
+          <a:ext cx="0" cy="0"/>
+          <a:chOff x="0" y="0"/>
+          <a:chExt cx="0" cy="0"/>
+        </a:xfrm>
+      </p:grpSpPr>
+      <p:pic>
+        <p:nvPicPr>
+          <p:cNvPr id="5" name="Picture 4">
+            <a:extLst>
+              <a:ext uri="{FF2B5EF4-FFF2-40B4-BE49-F238E27FC236}">
+                <a16:creationId xmlns:a16="http://schemas.microsoft.com/office/drawing/2014/main" id="{C997EC0C-3790-3A7A-5267-2F25FE221E06}"/>
+              </a:ext>
+            </a:extLst>
+          </p:cNvPr>
+          <p:cNvPicPr>
+            <a:picLocks noChangeAspect="1"/>
+          </p:cNvPicPr>
+          <p:nvPr/>
+        </p:nvPicPr>
+        <p:blipFill>
+          <a:blip r:embed="rId2"/>
+          <a:stretch>
+            <a:fillRect/>
+          </a:stretch>
+        </p:blipFill>
+        <p:spPr>
+          <a:xfrm>
+            <a:off x="520759" y="0"/>
+            <a:ext cx="7423608" cy="5143500"/>
+          </a:xfrm>
+          <a:prstGeom prst="rect">
+            <a:avLst/>
+          </a:prstGeom>
+        </p:spPr>
+      </p:pic>
+    </p:spTree>
+    <p:extLst>
+      <p:ext uri="{BB962C8B-B14F-4D97-AF65-F5344CB8AC3E}">
+        <p14:creationId xmlns:p14="http://schemas.microsoft.com/office/powerpoint/2010/main" val="1229008812"/>
+      </p:ext>
+    </p:extLst>
+  </p:cSld>
+  <p:clrMapOvr>
+    <a:masterClrMapping/>
+  </p:clrMapOvr>
+</p:sld>
+</file>
+
+<file path=ppt/slides/slide15.xml><?xml version="1.0" encoding="utf-8"?>
+<p:sld xmlns:a="http://schemas.openxmlformats.org/drawingml/2006/main" xmlns:r="http://schemas.openxmlformats.org/officeDocument/2006/relationships" xmlns:p="http://schemas.openxmlformats.org/presentationml/2006/main">
+  <p:cSld>
+    <p:spTree>
+      <p:nvGrpSpPr>
+        <p:cNvPr id="1" name="Shape 327"/>
+        <p:cNvGrpSpPr/>
+        <p:nvPr/>
+      </p:nvGrpSpPr>
+      <p:grpSpPr>
+        <a:xfrm>
+          <a:off x="0" y="0"/>
+          <a:ext cx="0" cy="0"/>
+          <a:chOff x="0" y="0"/>
+          <a:chExt cx="0" cy="0"/>
+        </a:xfrm>
+      </p:grpSpPr>
+      <p:sp>
+        <p:nvSpPr>
+          <p:cNvPr id="328" name="Google Shape;328;p21"/>
+          <p:cNvSpPr txBox="1">
+            <a:spLocks noGrp="1"/>
+          </p:cNvSpPr>
+          <p:nvPr>
+            <p:ph type="title"/>
+          </p:nvPr>
+        </p:nvSpPr>
+        <p:spPr>
+          <a:xfrm>
+            <a:off x="1303800" y="598575"/>
+            <a:ext cx="7030500" cy="999300"/>
+          </a:xfrm>
+          <a:prstGeom prst="rect">
+            <a:avLst/>
+          </a:prstGeom>
+        </p:spPr>
+        <p:txBody>
+          <a:bodyPr spcFirstLastPara="1" wrap="square" lIns="91425" tIns="91425" rIns="91425" bIns="91425" anchor="t" anchorCtr="0">
+            <a:normAutofit/>
+          </a:bodyPr>
+          <a:lstStyle/>
+          <a:p>
+            <a:pPr marL="0" lvl="0" indent="0" algn="l" rtl="0">
+              <a:spcBef>
+                <a:spcPts val="0"/>
+              </a:spcBef>
+              <a:spcAft>
+                <a:spcPts val="0"/>
+              </a:spcAft>
+              <a:buNone/>
+            </a:pPr>
+            <a:r>
+              <a:rPr lang="en"/>
+              <a:t>Age Heatmap</a:t>
+            </a:r>
+            <a:endParaRPr/>
+          </a:p>
+        </p:txBody>
+      </p:sp>
+      <p:sp>
+        <p:nvSpPr>
+          <p:cNvPr id="329" name="Google Shape;329;p21"/>
+          <p:cNvSpPr txBox="1">
+            <a:spLocks noGrp="1"/>
+          </p:cNvSpPr>
+          <p:nvPr>
+            <p:ph type="body" idx="1"/>
+          </p:nvPr>
+        </p:nvSpPr>
+        <p:spPr>
+          <a:xfrm>
+            <a:off x="1303800" y="1990050"/>
+            <a:ext cx="7030500" cy="2541600"/>
+          </a:xfrm>
+          <a:prstGeom prst="rect">
+            <a:avLst/>
+          </a:prstGeom>
+        </p:spPr>
+        <p:txBody>
+          <a:bodyPr spcFirstLastPara="1" wrap="square" lIns="91425" tIns="91425" rIns="91425" bIns="91425" anchor="t" anchorCtr="0">
+            <a:normAutofit/>
+          </a:bodyPr>
+          <a:lstStyle/>
+          <a:p>
+            <a:pPr marL="0" lvl="0" indent="0" algn="l" rtl="0">
+              <a:spcBef>
+                <a:spcPts val="0"/>
+              </a:spcBef>
+              <a:spcAft>
+                <a:spcPts val="1200"/>
+              </a:spcAft>
+              <a:buNone/>
+            </a:pPr>
+            <a:r>
+              <a:rPr lang="en" dirty="0">
+                <a:sym typeface="Roboto"/>
+              </a:rPr>
+              <a:t>Player position and rating, interestingly ST, CM, CDM, CB and GK are best preference of positions by top rated players. Fascinatingly, they all lie in the middle.</a:t>
+            </a:r>
+            <a:endParaRPr dirty="0"/>
+          </a:p>
+        </p:txBody>
+      </p:sp>
+    </p:spTree>
+  </p:cSld>
+  <p:clrMapOvr>
+    <a:masterClrMapping/>
+  </p:clrMapOvr>
+</p:sld>
+</file>
+
+<file path=ppt/slides/slide16.xml><?xml version="1.0" encoding="utf-8"?>
+<p:sld xmlns:a="http://schemas.openxmlformats.org/drawingml/2006/main" xmlns:r="http://schemas.openxmlformats.org/officeDocument/2006/relationships" xmlns:p="http://schemas.openxmlformats.org/presentationml/2006/main">
+  <p:cSld>
+    <p:spTree>
+      <p:nvGrpSpPr>
+        <p:cNvPr id="1" name=""/>
+        <p:cNvGrpSpPr/>
+        <p:nvPr/>
+      </p:nvGrpSpPr>
+      <p:grpSpPr>
+        <a:xfrm>
+          <a:off x="0" y="0"/>
+          <a:ext cx="0" cy="0"/>
+          <a:chOff x="0" y="0"/>
+          <a:chExt cx="0" cy="0"/>
+        </a:xfrm>
+      </p:grpSpPr>
+      <p:pic>
+        <p:nvPicPr>
+          <p:cNvPr id="5" name="Picture 4">
+            <a:extLst>
+              <a:ext uri="{FF2B5EF4-FFF2-40B4-BE49-F238E27FC236}">
+                <a16:creationId xmlns:a16="http://schemas.microsoft.com/office/drawing/2014/main" id="{9D23FEC1-8DFC-C7CE-DBFA-48585D19DF8D}"/>
+              </a:ext>
+            </a:extLst>
+          </p:cNvPr>
+          <p:cNvPicPr>
+            <a:picLocks noChangeAspect="1"/>
+          </p:cNvPicPr>
+          <p:nvPr/>
+        </p:nvPicPr>
+        <p:blipFill>
+          <a:blip r:embed="rId2"/>
+          <a:stretch>
+            <a:fillRect/>
+          </a:stretch>
+        </p:blipFill>
+        <p:spPr>
+          <a:xfrm>
+            <a:off x="5319525" y="0"/>
+            <a:ext cx="3381750" cy="5143500"/>
+          </a:xfrm>
+          <a:prstGeom prst="rect">
+            <a:avLst/>
+          </a:prstGeom>
+        </p:spPr>
+      </p:pic>
+      <p:pic>
+        <p:nvPicPr>
+          <p:cNvPr id="7" name="Picture 6" descr="Application&#10;&#10;Description automatically generated with low confidence">
+            <a:extLst>
+              <a:ext uri="{FF2B5EF4-FFF2-40B4-BE49-F238E27FC236}">
+                <a16:creationId xmlns:a16="http://schemas.microsoft.com/office/drawing/2014/main" id="{7CF10422-74AC-100F-B755-D4DB5F663139}"/>
+              </a:ext>
+            </a:extLst>
+          </p:cNvPr>
+          <p:cNvPicPr>
+            <a:picLocks noChangeAspect="1"/>
+          </p:cNvPicPr>
+          <p:nvPr/>
+        </p:nvPicPr>
+        <p:blipFill>
+          <a:blip r:embed="rId3"/>
+          <a:stretch>
+            <a:fillRect/>
+          </a:stretch>
+        </p:blipFill>
+        <p:spPr>
+          <a:xfrm>
+            <a:off x="381152" y="0"/>
+            <a:ext cx="3781985" cy="5143500"/>
+          </a:xfrm>
+          <a:prstGeom prst="rect">
+            <a:avLst/>
+          </a:prstGeom>
+        </p:spPr>
+      </p:pic>
+    </p:spTree>
+    <p:extLst>
+      <p:ext uri="{BB962C8B-B14F-4D97-AF65-F5344CB8AC3E}">
+        <p14:creationId xmlns:p14="http://schemas.microsoft.com/office/powerpoint/2010/main" val="157964534"/>
+      </p:ext>
+    </p:extLst>
+  </p:cSld>
+  <p:clrMapOvr>
+    <a:masterClrMapping/>
+  </p:clrMapOvr>
+</p:sld>
+</file>
+
+<file path=ppt/slides/slide17.xml><?xml version="1.0" encoding="utf-8"?>
+<p:sld xmlns:a="http://schemas.openxmlformats.org/drawingml/2006/main" xmlns:r="http://schemas.openxmlformats.org/officeDocument/2006/relationships" xmlns:p="http://schemas.openxmlformats.org/presentationml/2006/main">
+  <p:cSld>
+    <p:spTree>
+      <p:nvGrpSpPr>
+        <p:cNvPr id="1" name=""/>
+        <p:cNvGrpSpPr/>
+        <p:nvPr/>
+      </p:nvGrpSpPr>
+      <p:grpSpPr>
+        <a:xfrm>
+          <a:off x="0" y="0"/>
+          <a:ext cx="0" cy="0"/>
+          <a:chOff x="0" y="0"/>
+          <a:chExt cx="0" cy="0"/>
+        </a:xfrm>
+      </p:grpSpPr>
+      <p:sp>
+        <p:nvSpPr>
+          <p:cNvPr id="2" name="Title 1">
+            <a:extLst>
+              <a:ext uri="{FF2B5EF4-FFF2-40B4-BE49-F238E27FC236}">
+                <a16:creationId xmlns:a16="http://schemas.microsoft.com/office/drawing/2014/main" id="{2B91BC46-1F9A-0BFF-DBC2-CE8809969813}"/>
+              </a:ext>
+            </a:extLst>
+          </p:cNvPr>
+          <p:cNvSpPr>
+            <a:spLocks noGrp="1"/>
+          </p:cNvSpPr>
+          <p:nvPr>
+            <p:ph type="title"/>
+          </p:nvPr>
+        </p:nvSpPr>
+        <p:spPr/>
+        <p:txBody>
+          <a:bodyPr/>
+          <a:lstStyle/>
+          <a:p>
+            <a:r>
+              <a:rPr lang="en-US" dirty="0"/>
+              <a:t>Presentation Ends here</a:t>
+            </a:r>
+          </a:p>
+        </p:txBody>
+      </p:sp>
+    </p:spTree>
+    <p:extLst>
+      <p:ext uri="{BB962C8B-B14F-4D97-AF65-F5344CB8AC3E}">
+        <p14:creationId xmlns:p14="http://schemas.microsoft.com/office/powerpoint/2010/main" val="760953519"/>
+      </p:ext>
+    </p:extLst>
+  </p:cSld>
+  <p:clrMapOvr>
+    <a:masterClrMapping/>
+  </p:clrMapOvr>
+</p:sld>
+</file>
+
 <file path=ppt/slides/slide2.xml><?xml version="1.0" encoding="utf-8"?>
 <p:sld xmlns:a="http://schemas.openxmlformats.org/drawingml/2006/main" xmlns:r="http://schemas.openxmlformats.org/officeDocument/2006/relationships" xmlns:p="http://schemas.openxmlformats.org/presentationml/2006/main">
   <p:cSld>
@@ -15945,10 +16616,10 @@
               <a:buNone/>
             </a:pPr>
             <a:r>
-              <a:rPr lang="en"/>
+              <a:rPr lang="en" dirty="0"/>
               <a:t>It shows the world map of all the countries that were part of Fifa 18, with numbers on countries telling count of players</a:t>
             </a:r>
-            <a:endParaRPr/>
+            <a:endParaRPr dirty="0"/>
           </a:p>
           <a:p>
             <a:pPr marL="0" lvl="0" indent="0" algn="l" rtl="0">
@@ -15961,10 +16632,10 @@
               <a:buNone/>
             </a:pPr>
             <a:r>
-              <a:rPr lang="en"/>
+              <a:rPr lang="en" dirty="0"/>
               <a:t>Dark Blue countries has higher overall ratings and Dark Orange has lower overall ratings</a:t>
             </a:r>
-            <a:endParaRPr/>
+            <a:endParaRPr dirty="0"/>
           </a:p>
           <a:p>
             <a:pPr marL="0" lvl="0" indent="0" algn="l" rtl="0">
@@ -15976,7 +16647,7 @@
               </a:spcAft>
               <a:buNone/>
             </a:pPr>
-            <a:endParaRPr/>
+            <a:endParaRPr dirty="0"/>
           </a:p>
         </p:txBody>
       </p:sp>
@@ -15989,6 +16660,66 @@
 </file>
 
 <file path=ppt/slides/slide4.xml><?xml version="1.0" encoding="utf-8"?>
+<p:sld xmlns:a="http://schemas.openxmlformats.org/drawingml/2006/main" xmlns:r="http://schemas.openxmlformats.org/officeDocument/2006/relationships" xmlns:p="http://schemas.openxmlformats.org/presentationml/2006/main">
+  <p:cSld>
+    <p:spTree>
+      <p:nvGrpSpPr>
+        <p:cNvPr id="1" name=""/>
+        <p:cNvGrpSpPr/>
+        <p:nvPr/>
+      </p:nvGrpSpPr>
+      <p:grpSpPr>
+        <a:xfrm>
+          <a:off x="0" y="0"/>
+          <a:ext cx="0" cy="0"/>
+          <a:chOff x="0" y="0"/>
+          <a:chExt cx="0" cy="0"/>
+        </a:xfrm>
+      </p:grpSpPr>
+      <p:pic>
+        <p:nvPicPr>
+          <p:cNvPr id="4" name="Picture 3">
+            <a:extLst>
+              <a:ext uri="{FF2B5EF4-FFF2-40B4-BE49-F238E27FC236}">
+                <a16:creationId xmlns:a16="http://schemas.microsoft.com/office/drawing/2014/main" id="{B37C398B-370C-9417-26C7-41B045811440}"/>
+              </a:ext>
+            </a:extLst>
+          </p:cNvPr>
+          <p:cNvPicPr>
+            <a:picLocks noChangeAspect="1"/>
+          </p:cNvPicPr>
+          <p:nvPr/>
+        </p:nvPicPr>
+        <p:blipFill>
+          <a:blip r:embed="rId2"/>
+          <a:stretch>
+            <a:fillRect/>
+          </a:stretch>
+        </p:blipFill>
+        <p:spPr>
+          <a:xfrm>
+            <a:off x="1699811" y="537878"/>
+            <a:ext cx="5744377" cy="4067743"/>
+          </a:xfrm>
+          <a:prstGeom prst="rect">
+            <a:avLst/>
+          </a:prstGeom>
+        </p:spPr>
+      </p:pic>
+    </p:spTree>
+    <p:extLst>
+      <p:ext uri="{BB962C8B-B14F-4D97-AF65-F5344CB8AC3E}">
+        <p14:creationId xmlns:p14="http://schemas.microsoft.com/office/powerpoint/2010/main" val="3008618425"/>
+      </p:ext>
+    </p:extLst>
+  </p:cSld>
+  <p:clrMapOvr>
+    <a:masterClrMapping/>
+  </p:clrMapOvr>
+</p:sld>
+</file>
+
+<file path=ppt/slides/slide5.xml><?xml version="1.0" encoding="utf-8"?>
 <p:sld xmlns:a="http://schemas.openxmlformats.org/drawingml/2006/main" xmlns:r="http://schemas.openxmlformats.org/officeDocument/2006/relationships" xmlns:p="http://schemas.openxmlformats.org/presentationml/2006/main">
   <p:cSld>
     <p:spTree>
@@ -16145,7 +16876,67 @@
 </p:sld>
 </file>
 
-<file path=ppt/slides/slide5.xml><?xml version="1.0" encoding="utf-8"?>
+<file path=ppt/slides/slide6.xml><?xml version="1.0" encoding="utf-8"?>
+<p:sld xmlns:a="http://schemas.openxmlformats.org/drawingml/2006/main" xmlns:r="http://schemas.openxmlformats.org/officeDocument/2006/relationships" xmlns:p="http://schemas.openxmlformats.org/presentationml/2006/main">
+  <p:cSld>
+    <p:spTree>
+      <p:nvGrpSpPr>
+        <p:cNvPr id="1" name=""/>
+        <p:cNvGrpSpPr/>
+        <p:nvPr/>
+      </p:nvGrpSpPr>
+      <p:grpSpPr>
+        <a:xfrm>
+          <a:off x="0" y="0"/>
+          <a:ext cx="0" cy="0"/>
+          <a:chOff x="0" y="0"/>
+          <a:chExt cx="0" cy="0"/>
+        </a:xfrm>
+      </p:grpSpPr>
+      <p:pic>
+        <p:nvPicPr>
+          <p:cNvPr id="5" name="Picture 4">
+            <a:extLst>
+              <a:ext uri="{FF2B5EF4-FFF2-40B4-BE49-F238E27FC236}">
+                <a16:creationId xmlns:a16="http://schemas.microsoft.com/office/drawing/2014/main" id="{21670432-EDA7-7DE0-38B2-B1F6E2914628}"/>
+              </a:ext>
+            </a:extLst>
+          </p:cNvPr>
+          <p:cNvPicPr>
+            <a:picLocks noChangeAspect="1"/>
+          </p:cNvPicPr>
+          <p:nvPr/>
+        </p:nvPicPr>
+        <p:blipFill>
+          <a:blip r:embed="rId2"/>
+          <a:stretch>
+            <a:fillRect/>
+          </a:stretch>
+        </p:blipFill>
+        <p:spPr>
+          <a:xfrm>
+            <a:off x="0" y="801195"/>
+            <a:ext cx="9144000" cy="3097763"/>
+          </a:xfrm>
+          <a:prstGeom prst="rect">
+            <a:avLst/>
+          </a:prstGeom>
+        </p:spPr>
+      </p:pic>
+    </p:spTree>
+    <p:extLst>
+      <p:ext uri="{BB962C8B-B14F-4D97-AF65-F5344CB8AC3E}">
+        <p14:creationId xmlns:p14="http://schemas.microsoft.com/office/powerpoint/2010/main" val="2257871374"/>
+      </p:ext>
+    </p:extLst>
+  </p:cSld>
+  <p:clrMapOvr>
+    <a:masterClrMapping/>
+  </p:clrMapOvr>
+</p:sld>
+</file>
+
+<file path=ppt/slides/slide7.xml><?xml version="1.0" encoding="utf-8"?>
 <p:sld xmlns:a="http://schemas.openxmlformats.org/drawingml/2006/main" xmlns:r="http://schemas.openxmlformats.org/officeDocument/2006/relationships" xmlns:p="http://schemas.openxmlformats.org/presentationml/2006/main">
   <p:cSld>
     <p:spTree>
@@ -16282,7 +17073,67 @@
 </p:sld>
 </file>
 
-<file path=ppt/slides/slide6.xml><?xml version="1.0" encoding="utf-8"?>
+<file path=ppt/slides/slide8.xml><?xml version="1.0" encoding="utf-8"?>
+<p:sld xmlns:a="http://schemas.openxmlformats.org/drawingml/2006/main" xmlns:r="http://schemas.openxmlformats.org/officeDocument/2006/relationships" xmlns:p="http://schemas.openxmlformats.org/presentationml/2006/main">
+  <p:cSld>
+    <p:spTree>
+      <p:nvGrpSpPr>
+        <p:cNvPr id="1" name=""/>
+        <p:cNvGrpSpPr/>
+        <p:nvPr/>
+      </p:nvGrpSpPr>
+      <p:grpSpPr>
+        <a:xfrm>
+          <a:off x="0" y="0"/>
+          <a:ext cx="0" cy="0"/>
+          <a:chOff x="0" y="0"/>
+          <a:chExt cx="0" cy="0"/>
+        </a:xfrm>
+      </p:grpSpPr>
+      <p:pic>
+        <p:nvPicPr>
+          <p:cNvPr id="5" name="Picture 4">
+            <a:extLst>
+              <a:ext uri="{FF2B5EF4-FFF2-40B4-BE49-F238E27FC236}">
+                <a16:creationId xmlns:a16="http://schemas.microsoft.com/office/drawing/2014/main" id="{A135BF58-853E-128C-7CE5-A7E2006B56A4}"/>
+              </a:ext>
+            </a:extLst>
+          </p:cNvPr>
+          <p:cNvPicPr>
+            <a:picLocks noChangeAspect="1"/>
+          </p:cNvPicPr>
+          <p:nvPr/>
+        </p:nvPicPr>
+        <p:blipFill>
+          <a:blip r:embed="rId2"/>
+          <a:stretch>
+            <a:fillRect/>
+          </a:stretch>
+        </p:blipFill>
+        <p:spPr>
+          <a:xfrm>
+            <a:off x="408821" y="0"/>
+            <a:ext cx="8326358" cy="5143500"/>
+          </a:xfrm>
+          <a:prstGeom prst="rect">
+            <a:avLst/>
+          </a:prstGeom>
+        </p:spPr>
+      </p:pic>
+    </p:spTree>
+    <p:extLst>
+      <p:ext uri="{BB962C8B-B14F-4D97-AF65-F5344CB8AC3E}">
+        <p14:creationId xmlns:p14="http://schemas.microsoft.com/office/powerpoint/2010/main" val="183676880"/>
+      </p:ext>
+    </p:extLst>
+  </p:cSld>
+  <p:clrMapOvr>
+    <a:masterClrMapping/>
+  </p:clrMapOvr>
+</p:sld>
+</file>
+
+<file path=ppt/slides/slide9.xml><?xml version="1.0" encoding="utf-8"?>
 <p:sld xmlns:a="http://schemas.openxmlformats.org/drawingml/2006/main" xmlns:r="http://schemas.openxmlformats.org/officeDocument/2006/relationships" xmlns:p="http://schemas.openxmlformats.org/presentationml/2006/main">
   <p:cSld>
     <p:spTree>
@@ -16376,10 +17227,10 @@
               <a:buNone/>
             </a:pPr>
             <a:r>
-              <a:rPr lang="en"/>
+              <a:rPr lang="en" dirty="0"/>
               <a:t>Here data is divided in 7 clusters</a:t>
             </a:r>
-            <a:endParaRPr/>
+            <a:endParaRPr dirty="0"/>
           </a:p>
           <a:p>
             <a:pPr marL="0" lvl="0" indent="0" algn="l" rtl="0">
@@ -16392,10 +17243,10 @@
               <a:buNone/>
             </a:pPr>
             <a:r>
-              <a:rPr lang="en"/>
+              <a:rPr lang="en" dirty="0"/>
               <a:t>And size of the circle represents the average value of the player </a:t>
             </a:r>
-            <a:endParaRPr/>
+            <a:endParaRPr dirty="0"/>
           </a:p>
           <a:p>
             <a:pPr marL="0" lvl="0" indent="0" algn="l" rtl="0">
@@ -16408,25 +17259,34 @@
               <a:buNone/>
             </a:pPr>
             <a:r>
-              <a:rPr lang="en"/>
+              <a:rPr lang="en" dirty="0"/>
               <a:t>7th cluster consists of players like </a:t>
             </a:r>
             <a:r>
-              <a:rPr lang="en" sz="1200">
-                <a:solidFill>
-                  <a:srgbClr val="D1D5DB"/>
-                </a:solidFill>
-                <a:highlight>
-                  <a:srgbClr val="444654"/>
-                </a:highlight>
-                <a:latin typeface="Roboto"/>
-                <a:ea typeface="Roboto"/>
-                <a:cs typeface="Roboto"/>
+              <a:rPr lang="en" dirty="0">
                 <a:sym typeface="Roboto"/>
               </a:rPr>
               <a:t>Cristiano Ronaldo, Neymar, Messi, Suarez, Lewandowski, Hazard, and K. De Bruyne</a:t>
             </a:r>
-            <a:endParaRPr sz="1200">
+            <a:endParaRPr dirty="0">
+              <a:sym typeface="Roboto"/>
+            </a:endParaRPr>
+          </a:p>
+          <a:p>
+            <a:pPr marL="0" lvl="0" indent="0" algn="l" rtl="0">
+              <a:spcBef>
+                <a:spcPts val="1200"/>
+              </a:spcBef>
+              <a:spcAft>
+                <a:spcPts val="1200"/>
+              </a:spcAft>
+              <a:buNone/>
+            </a:pPr>
+            <a:r>
+              <a:rPr lang="en" dirty="0"/>
+              <a:t>Interestingly these players also has higher overall and potential ratings.</a:t>
+            </a:r>
+            <a:endParaRPr sz="1200" dirty="0">
               <a:solidFill>
                 <a:srgbClr val="D1D5DB"/>
               </a:solidFill>
@@ -16438,404 +17298,6 @@
               <a:cs typeface="Roboto"/>
               <a:sym typeface="Roboto"/>
             </a:endParaRPr>
-          </a:p>
-          <a:p>
-            <a:pPr marL="0" lvl="0" indent="0" algn="l" rtl="0">
-              <a:spcBef>
-                <a:spcPts val="1200"/>
-              </a:spcBef>
-              <a:spcAft>
-                <a:spcPts val="1200"/>
-              </a:spcAft>
-              <a:buNone/>
-            </a:pPr>
-            <a:r>
-              <a:rPr lang="en"/>
-              <a:t>Interestingly these players also has higher overall and potential ratings.</a:t>
-            </a:r>
-            <a:endParaRPr sz="1200">
-              <a:solidFill>
-                <a:srgbClr val="D1D5DB"/>
-              </a:solidFill>
-              <a:highlight>
-                <a:srgbClr val="444654"/>
-              </a:highlight>
-              <a:latin typeface="Roboto"/>
-              <a:ea typeface="Roboto"/>
-              <a:cs typeface="Roboto"/>
-              <a:sym typeface="Roboto"/>
-            </a:endParaRPr>
-          </a:p>
-        </p:txBody>
-      </p:sp>
-    </p:spTree>
-  </p:cSld>
-  <p:clrMapOvr>
-    <a:masterClrMapping/>
-  </p:clrMapOvr>
-</p:sld>
-</file>
-
-<file path=ppt/slides/slide7.xml><?xml version="1.0" encoding="utf-8"?>
-<p:sld xmlns:a="http://schemas.openxmlformats.org/drawingml/2006/main" xmlns:r="http://schemas.openxmlformats.org/officeDocument/2006/relationships" xmlns:p="http://schemas.openxmlformats.org/presentationml/2006/main">
-  <p:cSld>
-    <p:spTree>
-      <p:nvGrpSpPr>
-        <p:cNvPr id="1" name="Shape 315"/>
-        <p:cNvGrpSpPr/>
-        <p:nvPr/>
-      </p:nvGrpSpPr>
-      <p:grpSpPr>
-        <a:xfrm>
-          <a:off x="0" y="0"/>
-          <a:ext cx="0" cy="0"/>
-          <a:chOff x="0" y="0"/>
-          <a:chExt cx="0" cy="0"/>
-        </a:xfrm>
-      </p:grpSpPr>
-      <p:sp>
-        <p:nvSpPr>
-          <p:cNvPr id="316" name="Google Shape;316;p19"/>
-          <p:cNvSpPr txBox="1">
-            <a:spLocks noGrp="1"/>
-          </p:cNvSpPr>
-          <p:nvPr>
-            <p:ph type="title"/>
-          </p:nvPr>
-        </p:nvSpPr>
-        <p:spPr>
-          <a:xfrm>
-            <a:off x="1303800" y="598575"/>
-            <a:ext cx="7030500" cy="999300"/>
-          </a:xfrm>
-          <a:prstGeom prst="rect">
-            <a:avLst/>
-          </a:prstGeom>
-        </p:spPr>
-        <p:txBody>
-          <a:bodyPr spcFirstLastPara="1" wrap="square" lIns="91425" tIns="91425" rIns="91425" bIns="91425" anchor="t" anchorCtr="0">
-            <a:normAutofit/>
-          </a:bodyPr>
-          <a:lstStyle/>
-          <a:p>
-            <a:pPr marL="0" lvl="0" indent="0" algn="l" rtl="0">
-              <a:spcBef>
-                <a:spcPts val="0"/>
-              </a:spcBef>
-              <a:spcAft>
-                <a:spcPts val="0"/>
-              </a:spcAft>
-              <a:buNone/>
-            </a:pPr>
-            <a:r>
-              <a:rPr lang="en"/>
-              <a:t>Heatmap</a:t>
-            </a:r>
-            <a:endParaRPr/>
-          </a:p>
-        </p:txBody>
-      </p:sp>
-      <p:sp>
-        <p:nvSpPr>
-          <p:cNvPr id="317" name="Google Shape;317;p19"/>
-          <p:cNvSpPr txBox="1">
-            <a:spLocks noGrp="1"/>
-          </p:cNvSpPr>
-          <p:nvPr>
-            <p:ph type="body" idx="1"/>
-          </p:nvPr>
-        </p:nvSpPr>
-        <p:spPr>
-          <a:xfrm>
-            <a:off x="1303800" y="1990050"/>
-            <a:ext cx="7030500" cy="2541600"/>
-          </a:xfrm>
-          <a:prstGeom prst="rect">
-            <a:avLst/>
-          </a:prstGeom>
-        </p:spPr>
-        <p:txBody>
-          <a:bodyPr spcFirstLastPara="1" wrap="square" lIns="91425" tIns="91425" rIns="91425" bIns="91425" anchor="t" anchorCtr="0">
-            <a:normAutofit/>
-          </a:bodyPr>
-          <a:lstStyle/>
-          <a:p>
-            <a:pPr marL="0" lvl="0" indent="0" algn="l" rtl="0">
-              <a:spcBef>
-                <a:spcPts val="0"/>
-              </a:spcBef>
-              <a:spcAft>
-                <a:spcPts val="1200"/>
-              </a:spcAft>
-              <a:buNone/>
-            </a:pPr>
-            <a:r>
-              <a:rPr lang="en" sz="1200">
-                <a:solidFill>
-                  <a:srgbClr val="ECECF1"/>
-                </a:solidFill>
-                <a:highlight>
-                  <a:srgbClr val="343541"/>
-                </a:highlight>
-                <a:latin typeface="Roboto"/>
-                <a:ea typeface="Roboto"/>
-                <a:cs typeface="Roboto"/>
-                <a:sym typeface="Roboto"/>
-              </a:rPr>
-              <a:t>Heatmap of Correlation of Strength and overall rating of the clubs, secondly correlation of the Potential and Overall ratings of the club</a:t>
-            </a:r>
-            <a:endParaRPr sz="1200">
-              <a:solidFill>
-                <a:srgbClr val="ECECF1"/>
-              </a:solidFill>
-              <a:highlight>
-                <a:srgbClr val="343541"/>
-              </a:highlight>
-              <a:latin typeface="Roboto"/>
-              <a:ea typeface="Roboto"/>
-              <a:cs typeface="Roboto"/>
-              <a:sym typeface="Roboto"/>
-            </a:endParaRPr>
-          </a:p>
-        </p:txBody>
-      </p:sp>
-    </p:spTree>
-  </p:cSld>
-  <p:clrMapOvr>
-    <a:masterClrMapping/>
-  </p:clrMapOvr>
-</p:sld>
-</file>
-
-<file path=ppt/slides/slide8.xml><?xml version="1.0" encoding="utf-8"?>
-<p:sld xmlns:a="http://schemas.openxmlformats.org/drawingml/2006/main" xmlns:r="http://schemas.openxmlformats.org/officeDocument/2006/relationships" xmlns:p="http://schemas.openxmlformats.org/presentationml/2006/main">
-  <p:cSld>
-    <p:spTree>
-      <p:nvGrpSpPr>
-        <p:cNvPr id="1" name="Shape 321"/>
-        <p:cNvGrpSpPr/>
-        <p:nvPr/>
-      </p:nvGrpSpPr>
-      <p:grpSpPr>
-        <a:xfrm>
-          <a:off x="0" y="0"/>
-          <a:ext cx="0" cy="0"/>
-          <a:chOff x="0" y="0"/>
-          <a:chExt cx="0" cy="0"/>
-        </a:xfrm>
-      </p:grpSpPr>
-      <p:sp>
-        <p:nvSpPr>
-          <p:cNvPr id="322" name="Google Shape;322;p20"/>
-          <p:cNvSpPr txBox="1">
-            <a:spLocks noGrp="1"/>
-          </p:cNvSpPr>
-          <p:nvPr>
-            <p:ph type="title"/>
-          </p:nvPr>
-        </p:nvSpPr>
-        <p:spPr>
-          <a:xfrm>
-            <a:off x="1303800" y="598575"/>
-            <a:ext cx="7030500" cy="999300"/>
-          </a:xfrm>
-          <a:prstGeom prst="rect">
-            <a:avLst/>
-          </a:prstGeom>
-        </p:spPr>
-        <p:txBody>
-          <a:bodyPr spcFirstLastPara="1" wrap="square" lIns="91425" tIns="91425" rIns="91425" bIns="91425" anchor="t" anchorCtr="0">
-            <a:normAutofit/>
-          </a:bodyPr>
-          <a:lstStyle/>
-          <a:p>
-            <a:pPr marL="0" lvl="0" indent="0" algn="l" rtl="0">
-              <a:spcBef>
-                <a:spcPts val="0"/>
-              </a:spcBef>
-              <a:spcAft>
-                <a:spcPts val="0"/>
-              </a:spcAft>
-              <a:buNone/>
-            </a:pPr>
-            <a:r>
-              <a:rPr lang="en"/>
-              <a:t>Top 10 Correlation</a:t>
-            </a:r>
-            <a:endParaRPr/>
-          </a:p>
-        </p:txBody>
-      </p:sp>
-      <p:sp>
-        <p:nvSpPr>
-          <p:cNvPr id="323" name="Google Shape;323;p20"/>
-          <p:cNvSpPr txBox="1">
-            <a:spLocks noGrp="1"/>
-          </p:cNvSpPr>
-          <p:nvPr>
-            <p:ph type="body" idx="1"/>
-          </p:nvPr>
-        </p:nvSpPr>
-        <p:spPr>
-          <a:xfrm>
-            <a:off x="1303800" y="1990050"/>
-            <a:ext cx="7030500" cy="2541600"/>
-          </a:xfrm>
-          <a:prstGeom prst="rect">
-            <a:avLst/>
-          </a:prstGeom>
-        </p:spPr>
-        <p:txBody>
-          <a:bodyPr spcFirstLastPara="1" wrap="square" lIns="91425" tIns="91425" rIns="91425" bIns="91425" anchor="t" anchorCtr="0">
-            <a:normAutofit/>
-          </a:bodyPr>
-          <a:lstStyle/>
-          <a:p>
-            <a:pPr marL="0" lvl="0" indent="0" algn="l" rtl="0">
-              <a:spcBef>
-                <a:spcPts val="0"/>
-              </a:spcBef>
-              <a:spcAft>
-                <a:spcPts val="1200"/>
-              </a:spcAft>
-              <a:buNone/>
-            </a:pPr>
-            <a:r>
-              <a:rPr lang="en" sz="1200">
-                <a:solidFill>
-                  <a:srgbClr val="ECECF1"/>
-                </a:solidFill>
-                <a:highlight>
-                  <a:srgbClr val="343541"/>
-                </a:highlight>
-                <a:latin typeface="Roboto"/>
-                <a:ea typeface="Roboto"/>
-                <a:cs typeface="Roboto"/>
-                <a:sym typeface="Roboto"/>
-              </a:rPr>
-              <a:t>Above mentioned Heatmap but slightly tuned, it contains data of top 10 clubs by value</a:t>
-            </a:r>
-            <a:endParaRPr/>
-          </a:p>
-        </p:txBody>
-      </p:sp>
-    </p:spTree>
-  </p:cSld>
-  <p:clrMapOvr>
-    <a:masterClrMapping/>
-  </p:clrMapOvr>
-</p:sld>
-</file>
-
-<file path=ppt/slides/slide9.xml><?xml version="1.0" encoding="utf-8"?>
-<p:sld xmlns:a="http://schemas.openxmlformats.org/drawingml/2006/main" xmlns:r="http://schemas.openxmlformats.org/officeDocument/2006/relationships" xmlns:p="http://schemas.openxmlformats.org/presentationml/2006/main">
-  <p:cSld>
-    <p:spTree>
-      <p:nvGrpSpPr>
-        <p:cNvPr id="1" name="Shape 327"/>
-        <p:cNvGrpSpPr/>
-        <p:nvPr/>
-      </p:nvGrpSpPr>
-      <p:grpSpPr>
-        <a:xfrm>
-          <a:off x="0" y="0"/>
-          <a:ext cx="0" cy="0"/>
-          <a:chOff x="0" y="0"/>
-          <a:chExt cx="0" cy="0"/>
-        </a:xfrm>
-      </p:grpSpPr>
-      <p:sp>
-        <p:nvSpPr>
-          <p:cNvPr id="328" name="Google Shape;328;p21"/>
-          <p:cNvSpPr txBox="1">
-            <a:spLocks noGrp="1"/>
-          </p:cNvSpPr>
-          <p:nvPr>
-            <p:ph type="title"/>
-          </p:nvPr>
-        </p:nvSpPr>
-        <p:spPr>
-          <a:xfrm>
-            <a:off x="1303800" y="598575"/>
-            <a:ext cx="7030500" cy="999300"/>
-          </a:xfrm>
-          <a:prstGeom prst="rect">
-            <a:avLst/>
-          </a:prstGeom>
-        </p:spPr>
-        <p:txBody>
-          <a:bodyPr spcFirstLastPara="1" wrap="square" lIns="91425" tIns="91425" rIns="91425" bIns="91425" anchor="t" anchorCtr="0">
-            <a:normAutofit/>
-          </a:bodyPr>
-          <a:lstStyle/>
-          <a:p>
-            <a:pPr marL="0" lvl="0" indent="0" algn="l" rtl="0">
-              <a:spcBef>
-                <a:spcPts val="0"/>
-              </a:spcBef>
-              <a:spcAft>
-                <a:spcPts val="0"/>
-              </a:spcAft>
-              <a:buNone/>
-            </a:pPr>
-            <a:r>
-              <a:rPr lang="en"/>
-              <a:t>Age Heatmap</a:t>
-            </a:r>
-            <a:endParaRPr/>
-          </a:p>
-        </p:txBody>
-      </p:sp>
-      <p:sp>
-        <p:nvSpPr>
-          <p:cNvPr id="329" name="Google Shape;329;p21"/>
-          <p:cNvSpPr txBox="1">
-            <a:spLocks noGrp="1"/>
-          </p:cNvSpPr>
-          <p:nvPr>
-            <p:ph type="body" idx="1"/>
-          </p:nvPr>
-        </p:nvSpPr>
-        <p:spPr>
-          <a:xfrm>
-            <a:off x="1303800" y="1990050"/>
-            <a:ext cx="7030500" cy="2541600"/>
-          </a:xfrm>
-          <a:prstGeom prst="rect">
-            <a:avLst/>
-          </a:prstGeom>
-        </p:spPr>
-        <p:txBody>
-          <a:bodyPr spcFirstLastPara="1" wrap="square" lIns="91425" tIns="91425" rIns="91425" bIns="91425" anchor="t" anchorCtr="0">
-            <a:normAutofit/>
-          </a:bodyPr>
-          <a:lstStyle/>
-          <a:p>
-            <a:pPr marL="0" lvl="0" indent="0" algn="l" rtl="0">
-              <a:spcBef>
-                <a:spcPts val="0"/>
-              </a:spcBef>
-              <a:spcAft>
-                <a:spcPts val="1200"/>
-              </a:spcAft>
-              <a:buNone/>
-            </a:pPr>
-            <a:r>
-              <a:rPr lang="en" sz="1200">
-                <a:solidFill>
-                  <a:srgbClr val="ECECF1"/>
-                </a:solidFill>
-                <a:highlight>
-                  <a:srgbClr val="343541"/>
-                </a:highlight>
-                <a:latin typeface="Roboto"/>
-                <a:ea typeface="Roboto"/>
-                <a:cs typeface="Roboto"/>
-                <a:sym typeface="Roboto"/>
-              </a:rPr>
-              <a:t>Player position and rating, interestingly ST, CM, CDM, CB and GK are best preference of positions by top rated players. Fascinatingly, they all lie in the middle.</a:t>
-            </a:r>
-            <a:endParaRPr/>
           </a:p>
         </p:txBody>
       </p:sp>
